--- a/CS410 Project Presentation Slides.pptx
+++ b/CS410 Project Presentation Slides.pptx
@@ -9,13 +9,16 @@
     <p:sldId id="257" r:id="rId3"/>
     <p:sldId id="258" r:id="rId4"/>
     <p:sldId id="264" r:id="rId5"/>
-    <p:sldId id="259" r:id="rId6"/>
-    <p:sldId id="260" r:id="rId7"/>
-    <p:sldId id="261" r:id="rId8"/>
-    <p:sldId id="265" r:id="rId9"/>
-    <p:sldId id="266" r:id="rId10"/>
-    <p:sldId id="262" r:id="rId11"/>
-    <p:sldId id="263" r:id="rId12"/>
+    <p:sldId id="269" r:id="rId6"/>
+    <p:sldId id="259" r:id="rId7"/>
+    <p:sldId id="260" r:id="rId8"/>
+    <p:sldId id="261" r:id="rId9"/>
+    <p:sldId id="265" r:id="rId10"/>
+    <p:sldId id="267" r:id="rId11"/>
+    <p:sldId id="266" r:id="rId12"/>
+    <p:sldId id="268" r:id="rId13"/>
+    <p:sldId id="262" r:id="rId14"/>
+    <p:sldId id="263" r:id="rId15"/>
   </p:sldIdLst>
   <p:sldSz cx="12192000" cy="6858000"/>
   <p:notesSz cx="6858000" cy="9144000"/>
@@ -114,6 +117,11 @@
       </a:defRPr>
     </a:lvl9pPr>
   </p:defaultTextStyle>
+  <p:extLst>
+    <p:ext uri="{EFAFB233-063F-42B5-8137-9DF3F51BA10A}">
+      <p15:sldGuideLst xmlns:p15="http://schemas.microsoft.com/office/powerpoint/2012/main"/>
+    </p:ext>
+  </p:extLst>
 </p:presentation>
 </file>
 
@@ -6118,13 +6126,24 @@
           <a:lstStyle/>
           <a:p>
             <a:r>
-              <a:rPr lang="en-US" dirty="0"/>
-              <a:t>CS410 Project Presentation</a:t>
+              <a:rPr lang="en-US" sz="5400" dirty="0"/>
+              <a:t>CS410 Course Project:</a:t>
             </a:r>
             <a:br>
-              <a:rPr lang="en-US" dirty="0"/>
+              <a:rPr lang="en-US" sz="5400" dirty="0"/>
             </a:br>
-            <a:endParaRPr lang="en-US" dirty="0"/>
+            <a:r>
+              <a:rPr lang="en-US" sz="4400" dirty="0"/>
+              <a:t>Implement LARA for </a:t>
+            </a:r>
+            <a:r>
+              <a:rPr lang="en-US" sz="4400" dirty="0" err="1"/>
+              <a:t>MeTA</a:t>
+            </a:r>
+            <a:br>
+              <a:rPr lang="en-US" sz="5400" dirty="0"/>
+            </a:br>
+            <a:endParaRPr lang="en-US" sz="5400" dirty="0"/>
           </a:p>
         </p:txBody>
       </p:sp>
@@ -6172,6 +6191,30 @@
 <file path=ppt/slides/slide10.xml><?xml version="1.0" encoding="utf-8"?>
 <p:sld xmlns:a="http://schemas.openxmlformats.org/drawingml/2006/main" xmlns:r="http://schemas.openxmlformats.org/officeDocument/2006/relationships" xmlns:p="http://schemas.openxmlformats.org/presentationml/2006/main">
   <p:cSld>
+    <p:bg>
+      <p:bgPr>
+        <a:blipFill rotWithShape="1">
+          <a:blip r:embed="rId2">
+            <a:duotone>
+              <a:schemeClr val="bg2">
+                <a:shade val="69000"/>
+                <a:hueMod val="108000"/>
+                <a:satMod val="164000"/>
+                <a:lumMod val="74000"/>
+              </a:schemeClr>
+              <a:schemeClr val="bg2">
+                <a:tint val="96000"/>
+                <a:hueMod val="88000"/>
+                <a:satMod val="140000"/>
+                <a:lumMod val="132000"/>
+              </a:schemeClr>
+            </a:duotone>
+          </a:blip>
+          <a:stretch/>
+        </a:blipFill>
+        <a:effectLst/>
+      </p:bgPr>
+    </p:bg>
     <p:spTree>
       <p:nvGrpSpPr>
         <p:cNvPr id="1" name=""/>
@@ -6186,6 +6229,1130 @@
           <a:chExt cx="0" cy="0"/>
         </a:xfrm>
       </p:grpSpPr>
+      <p:pic>
+        <p:nvPicPr>
+          <p:cNvPr id="12" name="Picture 11">
+            <a:extLst>
+              <a:ext uri="{FF2B5EF4-FFF2-40B4-BE49-F238E27FC236}">
+                <a16:creationId xmlns:a16="http://schemas.microsoft.com/office/drawing/2014/main" id="{C9ECDD5C-152A-4CC7-8333-0F367B3A62EA}"/>
+              </a:ext>
+              <a:ext uri="{C183D7F6-B498-43B3-948B-1728B52AA6E4}">
+                <adec:decorative xmlns:adec="http://schemas.microsoft.com/office/drawing/2017/decorative" val="1"/>
+              </a:ext>
+            </a:extLst>
+          </p:cNvPr>
+          <p:cNvPicPr>
+            <a:picLocks noGrp="1" noRot="1" noChangeAspect="1" noMove="1" noResize="1" noEditPoints="1" noAdjustHandles="1" noChangeArrowheads="1" noChangeShapeType="1" noCrop="1"/>
+          </p:cNvPicPr>
+          <p:nvPr>
+            <p:extLst>
+              <p:ext uri="{386F3935-93C4-4BCD-93E2-E3B085C9AB24}">
+                <p16:designElem xmlns:p16="http://schemas.microsoft.com/office/powerpoint/2015/main" val="1"/>
+              </p:ext>
+            </p:extLst>
+          </p:nvPr>
+        </p:nvPicPr>
+        <p:blipFill rotWithShape="1">
+          <a:blip r:embed="rId3">
+            <a:extLst>
+              <a:ext uri="{28A0092B-C50C-407E-A947-70E740481C1C}">
+                <a14:useLocalDpi xmlns:a14="http://schemas.microsoft.com/office/drawing/2010/main" val="0"/>
+              </a:ext>
+            </a:extLst>
+          </a:blip>
+          <a:srcRect l="3613"/>
+          <a:stretch/>
+        </p:blipFill>
+        <p:spPr>
+          <a:xfrm>
+            <a:off x="0" y="2669685"/>
+            <a:ext cx="4037012" cy="4188315"/>
+          </a:xfrm>
+          <a:prstGeom prst="rect">
+            <a:avLst/>
+          </a:prstGeom>
+        </p:spPr>
+      </p:pic>
+      <p:pic>
+        <p:nvPicPr>
+          <p:cNvPr id="14" name="Picture 13">
+            <a:extLst>
+              <a:ext uri="{FF2B5EF4-FFF2-40B4-BE49-F238E27FC236}">
+                <a16:creationId xmlns:a16="http://schemas.microsoft.com/office/drawing/2014/main" id="{7F5C92A3-369B-43F3-BDCE-E560B1B0EC89}"/>
+              </a:ext>
+              <a:ext uri="{C183D7F6-B498-43B3-948B-1728B52AA6E4}">
+                <adec:decorative xmlns:adec="http://schemas.microsoft.com/office/drawing/2017/decorative" val="1"/>
+              </a:ext>
+            </a:extLst>
+          </p:cNvPr>
+          <p:cNvPicPr>
+            <a:picLocks noGrp="1" noRot="1" noChangeAspect="1" noMove="1" noResize="1" noEditPoints="1" noAdjustHandles="1" noChangeArrowheads="1" noChangeShapeType="1" noCrop="1"/>
+          </p:cNvPicPr>
+          <p:nvPr>
+            <p:extLst>
+              <p:ext uri="{386F3935-93C4-4BCD-93E2-E3B085C9AB24}">
+                <p16:designElem xmlns:p16="http://schemas.microsoft.com/office/powerpoint/2015/main" val="1"/>
+              </p:ext>
+            </p:extLst>
+          </p:nvPr>
+        </p:nvPicPr>
+        <p:blipFill rotWithShape="1">
+          <a:blip r:embed="rId4">
+            <a:extLst>
+              <a:ext uri="{28A0092B-C50C-407E-A947-70E740481C1C}">
+                <a14:useLocalDpi xmlns:a14="http://schemas.microsoft.com/office/drawing/2010/main" val="0"/>
+              </a:ext>
+            </a:extLst>
+          </a:blip>
+          <a:srcRect l="35640"/>
+          <a:stretch/>
+        </p:blipFill>
+        <p:spPr>
+          <a:xfrm>
+            <a:off x="0" y="2892347"/>
+            <a:ext cx="1522412" cy="2365453"/>
+          </a:xfrm>
+          <a:prstGeom prst="rect">
+            <a:avLst/>
+          </a:prstGeom>
+        </p:spPr>
+      </p:pic>
+      <p:sp>
+        <p:nvSpPr>
+          <p:cNvPr id="16" name="Oval 15">
+            <a:extLst>
+              <a:ext uri="{FF2B5EF4-FFF2-40B4-BE49-F238E27FC236}">
+                <a16:creationId xmlns:a16="http://schemas.microsoft.com/office/drawing/2014/main" id="{AEBE9F1A-B38D-446E-83AE-14B17CE77FF2}"/>
+              </a:ext>
+              <a:ext uri="{C183D7F6-B498-43B3-948B-1728B52AA6E4}">
+                <adec:decorative xmlns:adec="http://schemas.microsoft.com/office/drawing/2017/decorative" val="1"/>
+              </a:ext>
+            </a:extLst>
+          </p:cNvPr>
+          <p:cNvSpPr>
+            <a:spLocks noGrp="1" noRot="1" noChangeAspect="1" noMove="1" noResize="1" noEditPoints="1" noAdjustHandles="1" noChangeArrowheads="1" noChangeShapeType="1" noTextEdit="1"/>
+          </p:cNvSpPr>
+          <p:nvPr>
+            <p:extLst>
+              <p:ext uri="{386F3935-93C4-4BCD-93E2-E3B085C9AB24}">
+                <p16:designElem xmlns:p16="http://schemas.microsoft.com/office/powerpoint/2015/main" val="1"/>
+              </p:ext>
+            </p:extLst>
+          </p:nvPr>
+        </p:nvSpPr>
+        <p:spPr>
+          <a:xfrm>
+            <a:off x="8609012" y="1676400"/>
+            <a:ext cx="2819400" cy="2819400"/>
+          </a:xfrm>
+          <a:prstGeom prst="ellipse">
+            <a:avLst/>
+          </a:prstGeom>
+          <a:gradFill flip="none" rotWithShape="1">
+            <a:gsLst>
+              <a:gs pos="0">
+                <a:schemeClr val="bg2">
+                  <a:lumMod val="60000"/>
+                  <a:lumOff val="40000"/>
+                  <a:alpha val="7000"/>
+                </a:schemeClr>
+              </a:gs>
+              <a:gs pos="69000">
+                <a:schemeClr val="bg2">
+                  <a:lumMod val="60000"/>
+                  <a:lumOff val="40000"/>
+                  <a:alpha val="0"/>
+                </a:schemeClr>
+              </a:gs>
+              <a:gs pos="36000">
+                <a:schemeClr val="bg2">
+                  <a:lumMod val="60000"/>
+                  <a:lumOff val="40000"/>
+                  <a:alpha val="6000"/>
+                </a:schemeClr>
+              </a:gs>
+            </a:gsLst>
+            <a:path path="circle">
+              <a:fillToRect l="50000" t="50000" r="50000" b="50000"/>
+            </a:path>
+            <a:tileRect/>
+          </a:gradFill>
+          <a:ln>
+            <a:noFill/>
+          </a:ln>
+          <a:effectLst/>
+        </p:spPr>
+        <p:style>
+          <a:lnRef idx="1">
+            <a:schemeClr val="accent1"/>
+          </a:lnRef>
+          <a:fillRef idx="3">
+            <a:schemeClr val="accent1"/>
+          </a:fillRef>
+          <a:effectRef idx="2">
+            <a:schemeClr val="accent1"/>
+          </a:effectRef>
+          <a:fontRef idx="minor">
+            <a:schemeClr val="lt1"/>
+          </a:fontRef>
+        </p:style>
+      </p:sp>
+      <p:pic>
+        <p:nvPicPr>
+          <p:cNvPr id="18" name="Picture 17">
+            <a:extLst>
+              <a:ext uri="{FF2B5EF4-FFF2-40B4-BE49-F238E27FC236}">
+                <a16:creationId xmlns:a16="http://schemas.microsoft.com/office/drawing/2014/main" id="{915B5014-A7EC-4BA6-9C83-8840CF81DB28}"/>
+              </a:ext>
+              <a:ext uri="{C183D7F6-B498-43B3-948B-1728B52AA6E4}">
+                <adec:decorative xmlns:adec="http://schemas.microsoft.com/office/drawing/2017/decorative" val="1"/>
+              </a:ext>
+            </a:extLst>
+          </p:cNvPr>
+          <p:cNvPicPr>
+            <a:picLocks noGrp="1" noRot="1" noChangeAspect="1" noMove="1" noResize="1" noEditPoints="1" noAdjustHandles="1" noChangeArrowheads="1" noChangeShapeType="1" noCrop="1"/>
+          </p:cNvPicPr>
+          <p:nvPr>
+            <p:extLst>
+              <p:ext uri="{386F3935-93C4-4BCD-93E2-E3B085C9AB24}">
+                <p16:designElem xmlns:p16="http://schemas.microsoft.com/office/powerpoint/2015/main" val="1"/>
+              </p:ext>
+            </p:extLst>
+          </p:nvPr>
+        </p:nvPicPr>
+        <p:blipFill rotWithShape="1">
+          <a:blip r:embed="rId5">
+            <a:extLst>
+              <a:ext uri="{28A0092B-C50C-407E-A947-70E740481C1C}">
+                <a14:useLocalDpi xmlns:a14="http://schemas.microsoft.com/office/drawing/2010/main" val="0"/>
+              </a:ext>
+            </a:extLst>
+          </a:blip>
+          <a:srcRect t="28813"/>
+          <a:stretch/>
+        </p:blipFill>
+        <p:spPr>
+          <a:xfrm>
+            <a:off x="7999412" y="0"/>
+            <a:ext cx="1603387" cy="1141407"/>
+          </a:xfrm>
+          <a:prstGeom prst="rect">
+            <a:avLst/>
+          </a:prstGeom>
+        </p:spPr>
+      </p:pic>
+      <p:pic>
+        <p:nvPicPr>
+          <p:cNvPr id="20" name="Picture 19">
+            <a:extLst>
+              <a:ext uri="{FF2B5EF4-FFF2-40B4-BE49-F238E27FC236}">
+                <a16:creationId xmlns:a16="http://schemas.microsoft.com/office/drawing/2014/main" id="{022C43AB-86D7-420D-8AD7-DC0A15FDD0AF}"/>
+              </a:ext>
+              <a:ext uri="{C183D7F6-B498-43B3-948B-1728B52AA6E4}">
+                <adec:decorative xmlns:adec="http://schemas.microsoft.com/office/drawing/2017/decorative" val="1"/>
+              </a:ext>
+            </a:extLst>
+          </p:cNvPr>
+          <p:cNvPicPr>
+            <a:picLocks noGrp="1" noRot="1" noChangeAspect="1" noMove="1" noResize="1" noEditPoints="1" noAdjustHandles="1" noChangeArrowheads="1" noChangeShapeType="1" noCrop="1"/>
+          </p:cNvPicPr>
+          <p:nvPr>
+            <p:extLst>
+              <p:ext uri="{386F3935-93C4-4BCD-93E2-E3B085C9AB24}">
+                <p16:designElem xmlns:p16="http://schemas.microsoft.com/office/powerpoint/2015/main" val="1"/>
+              </p:ext>
+            </p:extLst>
+          </p:nvPr>
+        </p:nvPicPr>
+        <p:blipFill rotWithShape="1">
+          <a:blip r:embed="rId6">
+            <a:extLst>
+              <a:ext uri="{28A0092B-C50C-407E-A947-70E740481C1C}">
+                <a14:useLocalDpi xmlns:a14="http://schemas.microsoft.com/office/drawing/2010/main" val="0"/>
+              </a:ext>
+            </a:extLst>
+          </a:blip>
+          <a:srcRect b="23320"/>
+          <a:stretch/>
+        </p:blipFill>
+        <p:spPr>
+          <a:xfrm>
+            <a:off x="8605878" y="6096000"/>
+            <a:ext cx="993734" cy="762000"/>
+          </a:xfrm>
+          <a:prstGeom prst="rect">
+            <a:avLst/>
+          </a:prstGeom>
+        </p:spPr>
+      </p:pic>
+      <p:sp>
+        <p:nvSpPr>
+          <p:cNvPr id="22" name="Rectangle 21">
+            <a:extLst>
+              <a:ext uri="{FF2B5EF4-FFF2-40B4-BE49-F238E27FC236}">
+                <a16:creationId xmlns:a16="http://schemas.microsoft.com/office/drawing/2014/main" id="{5E3EB826-A471-488F-9E8A-D65528A3C0CA}"/>
+              </a:ext>
+              <a:ext uri="{C183D7F6-B498-43B3-948B-1728B52AA6E4}">
+                <adec:decorative xmlns:adec="http://schemas.microsoft.com/office/drawing/2017/decorative" val="1"/>
+              </a:ext>
+            </a:extLst>
+          </p:cNvPr>
+          <p:cNvSpPr>
+            <a:spLocks noGrp="1" noRot="1" noChangeAspect="1" noMove="1" noResize="1" noEditPoints="1" noAdjustHandles="1" noChangeArrowheads="1" noChangeShapeType="1" noTextEdit="1"/>
+          </p:cNvSpPr>
+          <p:nvPr>
+            <p:extLst>
+              <p:ext uri="{386F3935-93C4-4BCD-93E2-E3B085C9AB24}">
+                <p16:designElem xmlns:p16="http://schemas.microsoft.com/office/powerpoint/2015/main" val="1"/>
+              </p:ext>
+            </p:extLst>
+          </p:nvPr>
+        </p:nvSpPr>
+        <p:spPr>
+          <a:xfrm>
+            <a:off x="10437812" y="0"/>
+            <a:ext cx="685800" cy="1143000"/>
+          </a:xfrm>
+          <a:prstGeom prst="rect">
+            <a:avLst/>
+          </a:prstGeom>
+          <a:solidFill>
+            <a:schemeClr val="accent1"/>
+          </a:solidFill>
+          <a:ln>
+            <a:noFill/>
+          </a:ln>
+        </p:spPr>
+        <p:style>
+          <a:lnRef idx="1">
+            <a:schemeClr val="accent1"/>
+          </a:lnRef>
+          <a:fillRef idx="3">
+            <a:schemeClr val="accent1"/>
+          </a:fillRef>
+          <a:effectRef idx="2">
+            <a:schemeClr val="accent1"/>
+          </a:effectRef>
+          <a:fontRef idx="minor">
+            <a:schemeClr val="lt1"/>
+          </a:fontRef>
+        </p:style>
+      </p:sp>
+      <p:sp>
+        <p:nvSpPr>
+          <p:cNvPr id="24" name="Rectangle 23">
+            <a:extLst>
+              <a:ext uri="{FF2B5EF4-FFF2-40B4-BE49-F238E27FC236}">
+                <a16:creationId xmlns:a16="http://schemas.microsoft.com/office/drawing/2014/main" id="{DFB3CEA1-88D9-42FB-88ED-1E9807FE6596}"/>
+              </a:ext>
+              <a:ext uri="{C183D7F6-B498-43B3-948B-1728B52AA6E4}">
+                <adec:decorative xmlns:adec="http://schemas.microsoft.com/office/drawing/2017/decorative" val="1"/>
+              </a:ext>
+            </a:extLst>
+          </p:cNvPr>
+          <p:cNvSpPr>
+            <a:spLocks noGrp="1" noRot="1" noChangeAspect="1" noMove="1" noResize="1" noEditPoints="1" noAdjustHandles="1" noChangeArrowheads="1" noChangeShapeType="1" noTextEdit="1"/>
+          </p:cNvSpPr>
+          <p:nvPr>
+            <p:extLst>
+              <p:ext uri="{386F3935-93C4-4BCD-93E2-E3B085C9AB24}">
+                <p16:designElem xmlns:p16="http://schemas.microsoft.com/office/powerpoint/2015/main" val="1"/>
+              </p:ext>
+            </p:extLst>
+          </p:nvPr>
+        </p:nvSpPr>
+        <p:spPr>
+          <a:xfrm>
+            <a:off x="477012" y="480060"/>
+            <a:ext cx="11237976" cy="5897880"/>
+          </a:xfrm>
+          <a:prstGeom prst="rect">
+            <a:avLst/>
+          </a:prstGeom>
+          <a:solidFill>
+            <a:srgbClr val="FFFFFF"/>
+          </a:solidFill>
+          <a:ln>
+            <a:noFill/>
+          </a:ln>
+        </p:spPr>
+        <p:style>
+          <a:lnRef idx="2">
+            <a:schemeClr val="accent1">
+              <a:shade val="50000"/>
+            </a:schemeClr>
+          </a:lnRef>
+          <a:fillRef idx="1">
+            <a:schemeClr val="accent1"/>
+          </a:fillRef>
+          <a:effectRef idx="0">
+            <a:schemeClr val="accent1"/>
+          </a:effectRef>
+          <a:fontRef idx="minor">
+            <a:schemeClr val="lt1"/>
+          </a:fontRef>
+        </p:style>
+        <p:txBody>
+          <a:bodyPr rtlCol="0" anchor="ctr"/>
+          <a:lstStyle/>
+          <a:p>
+            <a:pPr algn="ctr"/>
+            <a:endParaRPr lang="en-US" dirty="0"/>
+          </a:p>
+        </p:txBody>
+      </p:sp>
+      <p:pic>
+        <p:nvPicPr>
+          <p:cNvPr id="7" name="Content Placeholder 6">
+            <a:extLst>
+              <a:ext uri="{FF2B5EF4-FFF2-40B4-BE49-F238E27FC236}">
+                <a16:creationId xmlns:a16="http://schemas.microsoft.com/office/drawing/2014/main" id="{B8EAA8D1-E943-49A2-B081-D40A5A963602}"/>
+              </a:ext>
+            </a:extLst>
+          </p:cNvPr>
+          <p:cNvPicPr>
+            <a:picLocks noGrp="1" noChangeAspect="1"/>
+          </p:cNvPicPr>
+          <p:nvPr>
+            <p:ph idx="1"/>
+          </p:nvPr>
+        </p:nvPicPr>
+        <p:blipFill>
+          <a:blip r:embed="rId7"/>
+          <a:stretch>
+            <a:fillRect/>
+          </a:stretch>
+        </p:blipFill>
+        <p:spPr>
+          <a:xfrm>
+            <a:off x="643467" y="1288881"/>
+            <a:ext cx="10905066" cy="4280238"/>
+          </a:xfrm>
+          <a:prstGeom prst="rect">
+            <a:avLst/>
+          </a:prstGeom>
+        </p:spPr>
+      </p:pic>
+      <p:sp>
+        <p:nvSpPr>
+          <p:cNvPr id="26" name="Rectangle 25">
+            <a:extLst>
+              <a:ext uri="{FF2B5EF4-FFF2-40B4-BE49-F238E27FC236}">
+                <a16:creationId xmlns:a16="http://schemas.microsoft.com/office/drawing/2014/main" id="{9A6C928E-4252-4F33-8C34-E50A12A3170B}"/>
+              </a:ext>
+              <a:ext uri="{C183D7F6-B498-43B3-948B-1728B52AA6E4}">
+                <adec:decorative xmlns:adec="http://schemas.microsoft.com/office/drawing/2017/decorative" val="1"/>
+              </a:ext>
+            </a:extLst>
+          </p:cNvPr>
+          <p:cNvSpPr>
+            <a:spLocks noGrp="1" noRot="1" noChangeAspect="1" noMove="1" noResize="1" noEditPoints="1" noAdjustHandles="1" noChangeArrowheads="1" noChangeShapeType="1" noTextEdit="1"/>
+          </p:cNvSpPr>
+          <p:nvPr>
+            <p:extLst>
+              <p:ext uri="{386F3935-93C4-4BCD-93E2-E3B085C9AB24}">
+                <p16:designElem xmlns:p16="http://schemas.microsoft.com/office/powerpoint/2015/main" val="1"/>
+              </p:ext>
+            </p:extLst>
+          </p:nvPr>
+        </p:nvSpPr>
+        <p:spPr>
+          <a:xfrm>
+            <a:off x="10437812" y="0"/>
+            <a:ext cx="685800" cy="1143000"/>
+          </a:xfrm>
+          <a:prstGeom prst="rect">
+            <a:avLst/>
+          </a:prstGeom>
+          <a:solidFill>
+            <a:schemeClr val="accent1"/>
+          </a:solidFill>
+          <a:ln>
+            <a:noFill/>
+          </a:ln>
+        </p:spPr>
+        <p:style>
+          <a:lnRef idx="1">
+            <a:schemeClr val="accent1"/>
+          </a:lnRef>
+          <a:fillRef idx="3">
+            <a:schemeClr val="accent1"/>
+          </a:fillRef>
+          <a:effectRef idx="2">
+            <a:schemeClr val="accent1"/>
+          </a:effectRef>
+          <a:fontRef idx="minor">
+            <a:schemeClr val="lt1"/>
+          </a:fontRef>
+        </p:style>
+      </p:sp>
+    </p:spTree>
+    <p:extLst>
+      <p:ext uri="{BB962C8B-B14F-4D97-AF65-F5344CB8AC3E}">
+        <p14:creationId xmlns:p14="http://schemas.microsoft.com/office/powerpoint/2010/main" val="3476117917"/>
+      </p:ext>
+    </p:extLst>
+  </p:cSld>
+  <p:clrMapOvr>
+    <a:masterClrMapping/>
+  </p:clrMapOvr>
+</p:sld>
+</file>
+
+<file path=ppt/slides/slide11.xml><?xml version="1.0" encoding="utf-8"?>
+<p:sld xmlns:a="http://schemas.openxmlformats.org/drawingml/2006/main" xmlns:r="http://schemas.openxmlformats.org/officeDocument/2006/relationships" xmlns:p="http://schemas.openxmlformats.org/presentationml/2006/main">
+  <p:cSld>
+    <p:spTree>
+      <p:nvGrpSpPr>
+        <p:cNvPr id="1" name=""/>
+        <p:cNvGrpSpPr/>
+        <p:nvPr/>
+      </p:nvGrpSpPr>
+      <p:grpSpPr>
+        <a:xfrm>
+          <a:off x="0" y="0"/>
+          <a:ext cx="0" cy="0"/>
+          <a:chOff x="0" y="0"/>
+          <a:chExt cx="0" cy="0"/>
+        </a:xfrm>
+      </p:grpSpPr>
+      <p:sp>
+        <p:nvSpPr>
+          <p:cNvPr id="2" name="Title 1">
+            <a:extLst>
+              <a:ext uri="{FF2B5EF4-FFF2-40B4-BE49-F238E27FC236}">
+                <a16:creationId xmlns:a16="http://schemas.microsoft.com/office/drawing/2014/main" id="{DAFEAE93-3A44-4F0C-8F55-A957FC059C9B}"/>
+              </a:ext>
+            </a:extLst>
+          </p:cNvPr>
+          <p:cNvSpPr>
+            <a:spLocks noGrp="1"/>
+          </p:cNvSpPr>
+          <p:nvPr>
+            <p:ph type="title"/>
+          </p:nvPr>
+        </p:nvSpPr>
+        <p:spPr/>
+        <p:txBody>
+          <a:bodyPr/>
+          <a:lstStyle/>
+          <a:p>
+            <a:r>
+              <a:rPr lang="en-US" dirty="0"/>
+              <a:t>Running the Code</a:t>
+            </a:r>
+          </a:p>
+        </p:txBody>
+      </p:sp>
+      <p:sp>
+        <p:nvSpPr>
+          <p:cNvPr id="3" name="Content Placeholder 2">
+            <a:extLst>
+              <a:ext uri="{FF2B5EF4-FFF2-40B4-BE49-F238E27FC236}">
+                <a16:creationId xmlns:a16="http://schemas.microsoft.com/office/drawing/2014/main" id="{8EF5927D-EBF6-4E76-9764-4DD09CE7AFE9}"/>
+              </a:ext>
+            </a:extLst>
+          </p:cNvPr>
+          <p:cNvSpPr>
+            <a:spLocks noGrp="1"/>
+          </p:cNvSpPr>
+          <p:nvPr>
+            <p:ph idx="1"/>
+          </p:nvPr>
+        </p:nvSpPr>
+        <p:spPr/>
+        <p:txBody>
+          <a:bodyPr/>
+          <a:lstStyle/>
+          <a:p>
+            <a:r>
+              <a:rPr lang="en-US" dirty="0"/>
+              <a:t>There is a test function in ./LARA/</a:t>
+            </a:r>
+            <a:r>
+              <a:rPr lang="en-US" dirty="0" err="1"/>
+              <a:t>src</a:t>
+            </a:r>
+            <a:r>
+              <a:rPr lang="en-US" dirty="0"/>
+              <a:t>/main.cpp call </a:t>
+            </a:r>
+            <a:r>
+              <a:rPr lang="en-US" dirty="0" err="1"/>
+              <a:t>lrr_test</a:t>
+            </a:r>
+            <a:r>
+              <a:rPr lang="en-US" dirty="0"/>
+              <a:t>(), where you can modify the parameters for this function. </a:t>
+            </a:r>
+          </a:p>
+          <a:p>
+            <a:r>
+              <a:rPr lang="en-US" dirty="0"/>
+              <a:t>You will find a document in this code called “manual.pdf” which comes from the original java project and contains more detail about the Lara implementation in these projects.</a:t>
+            </a:r>
+          </a:p>
+          <a:p>
+            <a:r>
+              <a:rPr lang="en-US" dirty="0"/>
+              <a:t>Unfortunately running the C++ project does not currently produce any meaningful results.</a:t>
+            </a:r>
+          </a:p>
+          <a:p>
+            <a:r>
+              <a:rPr lang="en-US" dirty="0"/>
+              <a:t>You can see the saved model, and predictions in the ./LARA/Data directory.</a:t>
+            </a:r>
+          </a:p>
+          <a:p>
+            <a:r>
+              <a:rPr lang="en-US" dirty="0"/>
+              <a:t>See next slide for example picture.</a:t>
+            </a:r>
+          </a:p>
+        </p:txBody>
+      </p:sp>
+    </p:spTree>
+    <p:extLst>
+      <p:ext uri="{BB962C8B-B14F-4D97-AF65-F5344CB8AC3E}">
+        <p14:creationId xmlns:p14="http://schemas.microsoft.com/office/powerpoint/2010/main" val="1656759120"/>
+      </p:ext>
+    </p:extLst>
+  </p:cSld>
+  <p:clrMapOvr>
+    <a:masterClrMapping/>
+  </p:clrMapOvr>
+</p:sld>
+</file>
+
+<file path=ppt/slides/slide12.xml><?xml version="1.0" encoding="utf-8"?>
+<p:sld xmlns:a="http://schemas.openxmlformats.org/drawingml/2006/main" xmlns:r="http://schemas.openxmlformats.org/officeDocument/2006/relationships" xmlns:p="http://schemas.openxmlformats.org/presentationml/2006/main">
+  <p:cSld>
+    <p:bg>
+      <p:bgPr>
+        <a:blipFill rotWithShape="1">
+          <a:blip r:embed="rId2">
+            <a:duotone>
+              <a:schemeClr val="bg2">
+                <a:shade val="69000"/>
+                <a:hueMod val="108000"/>
+                <a:satMod val="164000"/>
+                <a:lumMod val="74000"/>
+              </a:schemeClr>
+              <a:schemeClr val="bg2">
+                <a:tint val="96000"/>
+                <a:hueMod val="88000"/>
+                <a:satMod val="140000"/>
+                <a:lumMod val="132000"/>
+              </a:schemeClr>
+            </a:duotone>
+          </a:blip>
+          <a:stretch/>
+        </a:blipFill>
+        <a:effectLst/>
+      </p:bgPr>
+    </p:bg>
+    <p:spTree>
+      <p:nvGrpSpPr>
+        <p:cNvPr id="1" name=""/>
+        <p:cNvGrpSpPr/>
+        <p:nvPr/>
+      </p:nvGrpSpPr>
+      <p:grpSpPr>
+        <a:xfrm>
+          <a:off x="0" y="0"/>
+          <a:ext cx="0" cy="0"/>
+          <a:chOff x="0" y="0"/>
+          <a:chExt cx="0" cy="0"/>
+        </a:xfrm>
+      </p:grpSpPr>
+      <p:pic>
+        <p:nvPicPr>
+          <p:cNvPr id="10" name="Picture 9">
+            <a:extLst>
+              <a:ext uri="{FF2B5EF4-FFF2-40B4-BE49-F238E27FC236}">
+                <a16:creationId xmlns:a16="http://schemas.microsoft.com/office/drawing/2014/main" id="{C9ECDD5C-152A-4CC7-8333-0F367B3A62EA}"/>
+              </a:ext>
+              <a:ext uri="{C183D7F6-B498-43B3-948B-1728B52AA6E4}">
+                <adec:decorative xmlns:adec="http://schemas.microsoft.com/office/drawing/2017/decorative" val="1"/>
+              </a:ext>
+            </a:extLst>
+          </p:cNvPr>
+          <p:cNvPicPr>
+            <a:picLocks noGrp="1" noRot="1" noChangeAspect="1" noMove="1" noResize="1" noEditPoints="1" noAdjustHandles="1" noChangeArrowheads="1" noChangeShapeType="1" noCrop="1"/>
+          </p:cNvPicPr>
+          <p:nvPr>
+            <p:extLst>
+              <p:ext uri="{386F3935-93C4-4BCD-93E2-E3B085C9AB24}">
+                <p16:designElem xmlns:p16="http://schemas.microsoft.com/office/powerpoint/2015/main" val="1"/>
+              </p:ext>
+            </p:extLst>
+          </p:nvPr>
+        </p:nvPicPr>
+        <p:blipFill rotWithShape="1">
+          <a:blip r:embed="rId3">
+            <a:extLst>
+              <a:ext uri="{28A0092B-C50C-407E-A947-70E740481C1C}">
+                <a14:useLocalDpi xmlns:a14="http://schemas.microsoft.com/office/drawing/2010/main" val="0"/>
+              </a:ext>
+            </a:extLst>
+          </a:blip>
+          <a:srcRect l="3613"/>
+          <a:stretch/>
+        </p:blipFill>
+        <p:spPr>
+          <a:xfrm>
+            <a:off x="0" y="2669685"/>
+            <a:ext cx="4037012" cy="4188315"/>
+          </a:xfrm>
+          <a:prstGeom prst="rect">
+            <a:avLst/>
+          </a:prstGeom>
+        </p:spPr>
+      </p:pic>
+      <p:pic>
+        <p:nvPicPr>
+          <p:cNvPr id="12" name="Picture 11">
+            <a:extLst>
+              <a:ext uri="{FF2B5EF4-FFF2-40B4-BE49-F238E27FC236}">
+                <a16:creationId xmlns:a16="http://schemas.microsoft.com/office/drawing/2014/main" id="{7F5C92A3-369B-43F3-BDCE-E560B1B0EC89}"/>
+              </a:ext>
+              <a:ext uri="{C183D7F6-B498-43B3-948B-1728B52AA6E4}">
+                <adec:decorative xmlns:adec="http://schemas.microsoft.com/office/drawing/2017/decorative" val="1"/>
+              </a:ext>
+            </a:extLst>
+          </p:cNvPr>
+          <p:cNvPicPr>
+            <a:picLocks noGrp="1" noRot="1" noChangeAspect="1" noMove="1" noResize="1" noEditPoints="1" noAdjustHandles="1" noChangeArrowheads="1" noChangeShapeType="1" noCrop="1"/>
+          </p:cNvPicPr>
+          <p:nvPr>
+            <p:extLst>
+              <p:ext uri="{386F3935-93C4-4BCD-93E2-E3B085C9AB24}">
+                <p16:designElem xmlns:p16="http://schemas.microsoft.com/office/powerpoint/2015/main" val="1"/>
+              </p:ext>
+            </p:extLst>
+          </p:nvPr>
+        </p:nvPicPr>
+        <p:blipFill rotWithShape="1">
+          <a:blip r:embed="rId4">
+            <a:extLst>
+              <a:ext uri="{28A0092B-C50C-407E-A947-70E740481C1C}">
+                <a14:useLocalDpi xmlns:a14="http://schemas.microsoft.com/office/drawing/2010/main" val="0"/>
+              </a:ext>
+            </a:extLst>
+          </a:blip>
+          <a:srcRect l="35640"/>
+          <a:stretch/>
+        </p:blipFill>
+        <p:spPr>
+          <a:xfrm>
+            <a:off x="0" y="2892347"/>
+            <a:ext cx="1522412" cy="2365453"/>
+          </a:xfrm>
+          <a:prstGeom prst="rect">
+            <a:avLst/>
+          </a:prstGeom>
+        </p:spPr>
+      </p:pic>
+      <p:sp>
+        <p:nvSpPr>
+          <p:cNvPr id="14" name="Oval 13">
+            <a:extLst>
+              <a:ext uri="{FF2B5EF4-FFF2-40B4-BE49-F238E27FC236}">
+                <a16:creationId xmlns:a16="http://schemas.microsoft.com/office/drawing/2014/main" id="{AEBE9F1A-B38D-446E-83AE-14B17CE77FF2}"/>
+              </a:ext>
+              <a:ext uri="{C183D7F6-B498-43B3-948B-1728B52AA6E4}">
+                <adec:decorative xmlns:adec="http://schemas.microsoft.com/office/drawing/2017/decorative" val="1"/>
+              </a:ext>
+            </a:extLst>
+          </p:cNvPr>
+          <p:cNvSpPr>
+            <a:spLocks noGrp="1" noRot="1" noChangeAspect="1" noMove="1" noResize="1" noEditPoints="1" noAdjustHandles="1" noChangeArrowheads="1" noChangeShapeType="1" noTextEdit="1"/>
+          </p:cNvSpPr>
+          <p:nvPr>
+            <p:extLst>
+              <p:ext uri="{386F3935-93C4-4BCD-93E2-E3B085C9AB24}">
+                <p16:designElem xmlns:p16="http://schemas.microsoft.com/office/powerpoint/2015/main" val="1"/>
+              </p:ext>
+            </p:extLst>
+          </p:nvPr>
+        </p:nvSpPr>
+        <p:spPr>
+          <a:xfrm>
+            <a:off x="8609012" y="1676400"/>
+            <a:ext cx="2819400" cy="2819400"/>
+          </a:xfrm>
+          <a:prstGeom prst="ellipse">
+            <a:avLst/>
+          </a:prstGeom>
+          <a:gradFill flip="none" rotWithShape="1">
+            <a:gsLst>
+              <a:gs pos="0">
+                <a:schemeClr val="bg2">
+                  <a:lumMod val="60000"/>
+                  <a:lumOff val="40000"/>
+                  <a:alpha val="7000"/>
+                </a:schemeClr>
+              </a:gs>
+              <a:gs pos="69000">
+                <a:schemeClr val="bg2">
+                  <a:lumMod val="60000"/>
+                  <a:lumOff val="40000"/>
+                  <a:alpha val="0"/>
+                </a:schemeClr>
+              </a:gs>
+              <a:gs pos="36000">
+                <a:schemeClr val="bg2">
+                  <a:lumMod val="60000"/>
+                  <a:lumOff val="40000"/>
+                  <a:alpha val="6000"/>
+                </a:schemeClr>
+              </a:gs>
+            </a:gsLst>
+            <a:path path="circle">
+              <a:fillToRect l="50000" t="50000" r="50000" b="50000"/>
+            </a:path>
+            <a:tileRect/>
+          </a:gradFill>
+          <a:ln>
+            <a:noFill/>
+          </a:ln>
+          <a:effectLst/>
+        </p:spPr>
+        <p:style>
+          <a:lnRef idx="1">
+            <a:schemeClr val="accent1"/>
+          </a:lnRef>
+          <a:fillRef idx="3">
+            <a:schemeClr val="accent1"/>
+          </a:fillRef>
+          <a:effectRef idx="2">
+            <a:schemeClr val="accent1"/>
+          </a:effectRef>
+          <a:fontRef idx="minor">
+            <a:schemeClr val="lt1"/>
+          </a:fontRef>
+        </p:style>
+      </p:sp>
+      <p:pic>
+        <p:nvPicPr>
+          <p:cNvPr id="16" name="Picture 15">
+            <a:extLst>
+              <a:ext uri="{FF2B5EF4-FFF2-40B4-BE49-F238E27FC236}">
+                <a16:creationId xmlns:a16="http://schemas.microsoft.com/office/drawing/2014/main" id="{915B5014-A7EC-4BA6-9C83-8840CF81DB28}"/>
+              </a:ext>
+              <a:ext uri="{C183D7F6-B498-43B3-948B-1728B52AA6E4}">
+                <adec:decorative xmlns:adec="http://schemas.microsoft.com/office/drawing/2017/decorative" val="1"/>
+              </a:ext>
+            </a:extLst>
+          </p:cNvPr>
+          <p:cNvPicPr>
+            <a:picLocks noGrp="1" noRot="1" noChangeAspect="1" noMove="1" noResize="1" noEditPoints="1" noAdjustHandles="1" noChangeArrowheads="1" noChangeShapeType="1" noCrop="1"/>
+          </p:cNvPicPr>
+          <p:nvPr>
+            <p:extLst>
+              <p:ext uri="{386F3935-93C4-4BCD-93E2-E3B085C9AB24}">
+                <p16:designElem xmlns:p16="http://schemas.microsoft.com/office/powerpoint/2015/main" val="1"/>
+              </p:ext>
+            </p:extLst>
+          </p:nvPr>
+        </p:nvPicPr>
+        <p:blipFill rotWithShape="1">
+          <a:blip r:embed="rId5">
+            <a:extLst>
+              <a:ext uri="{28A0092B-C50C-407E-A947-70E740481C1C}">
+                <a14:useLocalDpi xmlns:a14="http://schemas.microsoft.com/office/drawing/2010/main" val="0"/>
+              </a:ext>
+            </a:extLst>
+          </a:blip>
+          <a:srcRect t="28813"/>
+          <a:stretch/>
+        </p:blipFill>
+        <p:spPr>
+          <a:xfrm>
+            <a:off x="7999412" y="0"/>
+            <a:ext cx="1603387" cy="1141407"/>
+          </a:xfrm>
+          <a:prstGeom prst="rect">
+            <a:avLst/>
+          </a:prstGeom>
+        </p:spPr>
+      </p:pic>
+      <p:pic>
+        <p:nvPicPr>
+          <p:cNvPr id="18" name="Picture 17">
+            <a:extLst>
+              <a:ext uri="{FF2B5EF4-FFF2-40B4-BE49-F238E27FC236}">
+                <a16:creationId xmlns:a16="http://schemas.microsoft.com/office/drawing/2014/main" id="{022C43AB-86D7-420D-8AD7-DC0A15FDD0AF}"/>
+              </a:ext>
+              <a:ext uri="{C183D7F6-B498-43B3-948B-1728B52AA6E4}">
+                <adec:decorative xmlns:adec="http://schemas.microsoft.com/office/drawing/2017/decorative" val="1"/>
+              </a:ext>
+            </a:extLst>
+          </p:cNvPr>
+          <p:cNvPicPr>
+            <a:picLocks noGrp="1" noRot="1" noChangeAspect="1" noMove="1" noResize="1" noEditPoints="1" noAdjustHandles="1" noChangeArrowheads="1" noChangeShapeType="1" noCrop="1"/>
+          </p:cNvPicPr>
+          <p:nvPr>
+            <p:extLst>
+              <p:ext uri="{386F3935-93C4-4BCD-93E2-E3B085C9AB24}">
+                <p16:designElem xmlns:p16="http://schemas.microsoft.com/office/powerpoint/2015/main" val="1"/>
+              </p:ext>
+            </p:extLst>
+          </p:nvPr>
+        </p:nvPicPr>
+        <p:blipFill rotWithShape="1">
+          <a:blip r:embed="rId6">
+            <a:extLst>
+              <a:ext uri="{28A0092B-C50C-407E-A947-70E740481C1C}">
+                <a14:useLocalDpi xmlns:a14="http://schemas.microsoft.com/office/drawing/2010/main" val="0"/>
+              </a:ext>
+            </a:extLst>
+          </a:blip>
+          <a:srcRect b="23320"/>
+          <a:stretch/>
+        </p:blipFill>
+        <p:spPr>
+          <a:xfrm>
+            <a:off x="8605878" y="6096000"/>
+            <a:ext cx="993734" cy="762000"/>
+          </a:xfrm>
+          <a:prstGeom prst="rect">
+            <a:avLst/>
+          </a:prstGeom>
+        </p:spPr>
+      </p:pic>
+      <p:sp>
+        <p:nvSpPr>
+          <p:cNvPr id="20" name="Rectangle 19">
+            <a:extLst>
+              <a:ext uri="{FF2B5EF4-FFF2-40B4-BE49-F238E27FC236}">
+                <a16:creationId xmlns:a16="http://schemas.microsoft.com/office/drawing/2014/main" id="{5E3EB826-A471-488F-9E8A-D65528A3C0CA}"/>
+              </a:ext>
+              <a:ext uri="{C183D7F6-B498-43B3-948B-1728B52AA6E4}">
+                <adec:decorative xmlns:adec="http://schemas.microsoft.com/office/drawing/2017/decorative" val="1"/>
+              </a:ext>
+            </a:extLst>
+          </p:cNvPr>
+          <p:cNvSpPr>
+            <a:spLocks noGrp="1" noRot="1" noChangeAspect="1" noMove="1" noResize="1" noEditPoints="1" noAdjustHandles="1" noChangeArrowheads="1" noChangeShapeType="1" noTextEdit="1"/>
+          </p:cNvSpPr>
+          <p:nvPr>
+            <p:extLst>
+              <p:ext uri="{386F3935-93C4-4BCD-93E2-E3B085C9AB24}">
+                <p16:designElem xmlns:p16="http://schemas.microsoft.com/office/powerpoint/2015/main" val="1"/>
+              </p:ext>
+            </p:extLst>
+          </p:nvPr>
+        </p:nvSpPr>
+        <p:spPr>
+          <a:xfrm>
+            <a:off x="10437812" y="0"/>
+            <a:ext cx="685800" cy="1143000"/>
+          </a:xfrm>
+          <a:prstGeom prst="rect">
+            <a:avLst/>
+          </a:prstGeom>
+          <a:solidFill>
+            <a:schemeClr val="accent1"/>
+          </a:solidFill>
+          <a:ln>
+            <a:noFill/>
+          </a:ln>
+        </p:spPr>
+        <p:style>
+          <a:lnRef idx="1">
+            <a:schemeClr val="accent1"/>
+          </a:lnRef>
+          <a:fillRef idx="3">
+            <a:schemeClr val="accent1"/>
+          </a:fillRef>
+          <a:effectRef idx="2">
+            <a:schemeClr val="accent1"/>
+          </a:effectRef>
+          <a:fontRef idx="minor">
+            <a:schemeClr val="lt1"/>
+          </a:fontRef>
+        </p:style>
+      </p:sp>
+      <p:sp>
+        <p:nvSpPr>
+          <p:cNvPr id="22" name="Rectangle 21">
+            <a:extLst>
+              <a:ext uri="{FF2B5EF4-FFF2-40B4-BE49-F238E27FC236}">
+                <a16:creationId xmlns:a16="http://schemas.microsoft.com/office/drawing/2014/main" id="{DFB3CEA1-88D9-42FB-88ED-1E9807FE6596}"/>
+              </a:ext>
+              <a:ext uri="{C183D7F6-B498-43B3-948B-1728B52AA6E4}">
+                <adec:decorative xmlns:adec="http://schemas.microsoft.com/office/drawing/2017/decorative" val="1"/>
+              </a:ext>
+            </a:extLst>
+          </p:cNvPr>
+          <p:cNvSpPr>
+            <a:spLocks noGrp="1" noRot="1" noChangeAspect="1" noMove="1" noResize="1" noEditPoints="1" noAdjustHandles="1" noChangeArrowheads="1" noChangeShapeType="1" noTextEdit="1"/>
+          </p:cNvSpPr>
+          <p:nvPr>
+            <p:extLst>
+              <p:ext uri="{386F3935-93C4-4BCD-93E2-E3B085C9AB24}">
+                <p16:designElem xmlns:p16="http://schemas.microsoft.com/office/powerpoint/2015/main" val="1"/>
+              </p:ext>
+            </p:extLst>
+          </p:nvPr>
+        </p:nvSpPr>
+        <p:spPr>
+          <a:xfrm>
+            <a:off x="477012" y="480060"/>
+            <a:ext cx="11237976" cy="5897880"/>
+          </a:xfrm>
+          <a:prstGeom prst="rect">
+            <a:avLst/>
+          </a:prstGeom>
+          <a:solidFill>
+            <a:srgbClr val="FFFFFF"/>
+          </a:solidFill>
+          <a:ln>
+            <a:noFill/>
+          </a:ln>
+        </p:spPr>
+        <p:style>
+          <a:lnRef idx="2">
+            <a:schemeClr val="accent1">
+              <a:shade val="50000"/>
+            </a:schemeClr>
+          </a:lnRef>
+          <a:fillRef idx="1">
+            <a:schemeClr val="accent1"/>
+          </a:fillRef>
+          <a:effectRef idx="0">
+            <a:schemeClr val="accent1"/>
+          </a:effectRef>
+          <a:fontRef idx="minor">
+            <a:schemeClr val="lt1"/>
+          </a:fontRef>
+        </p:style>
+        <p:txBody>
+          <a:bodyPr rtlCol="0" anchor="ctr"/>
+          <a:lstStyle/>
+          <a:p>
+            <a:pPr algn="ctr"/>
+            <a:endParaRPr lang="en-US" dirty="0"/>
+          </a:p>
+        </p:txBody>
+      </p:sp>
+      <p:pic>
+        <p:nvPicPr>
+          <p:cNvPr id="5" name="Content Placeholder 4">
+            <a:extLst>
+              <a:ext uri="{FF2B5EF4-FFF2-40B4-BE49-F238E27FC236}">
+                <a16:creationId xmlns:a16="http://schemas.microsoft.com/office/drawing/2014/main" id="{B6FE31D7-75D5-4C98-A044-8924D5B256CE}"/>
+              </a:ext>
+            </a:extLst>
+          </p:cNvPr>
+          <p:cNvPicPr>
+            <a:picLocks noGrp="1" noChangeAspect="1"/>
+          </p:cNvPicPr>
+          <p:nvPr>
+            <p:ph idx="1"/>
+          </p:nvPr>
+        </p:nvPicPr>
+        <p:blipFill>
+          <a:blip r:embed="rId7"/>
+          <a:stretch>
+            <a:fillRect/>
+          </a:stretch>
+        </p:blipFill>
+        <p:spPr>
+          <a:xfrm>
+            <a:off x="643467" y="893573"/>
+            <a:ext cx="10905066" cy="5070854"/>
+          </a:xfrm>
+          <a:prstGeom prst="rect">
+            <a:avLst/>
+          </a:prstGeom>
+        </p:spPr>
+      </p:pic>
+      <p:sp>
+        <p:nvSpPr>
+          <p:cNvPr id="24" name="Rectangle 23">
+            <a:extLst>
+              <a:ext uri="{FF2B5EF4-FFF2-40B4-BE49-F238E27FC236}">
+                <a16:creationId xmlns:a16="http://schemas.microsoft.com/office/drawing/2014/main" id="{9A6C928E-4252-4F33-8C34-E50A12A3170B}"/>
+              </a:ext>
+              <a:ext uri="{C183D7F6-B498-43B3-948B-1728B52AA6E4}">
+                <adec:decorative xmlns:adec="http://schemas.microsoft.com/office/drawing/2017/decorative" val="1"/>
+              </a:ext>
+            </a:extLst>
+          </p:cNvPr>
+          <p:cNvSpPr>
+            <a:spLocks noGrp="1" noRot="1" noChangeAspect="1" noMove="1" noResize="1" noEditPoints="1" noAdjustHandles="1" noChangeArrowheads="1" noChangeShapeType="1" noTextEdit="1"/>
+          </p:cNvSpPr>
+          <p:nvPr>
+            <p:extLst>
+              <p:ext uri="{386F3935-93C4-4BCD-93E2-E3B085C9AB24}">
+                <p16:designElem xmlns:p16="http://schemas.microsoft.com/office/powerpoint/2015/main" val="1"/>
+              </p:ext>
+            </p:extLst>
+          </p:nvPr>
+        </p:nvSpPr>
+        <p:spPr>
+          <a:xfrm>
+            <a:off x="10437812" y="0"/>
+            <a:ext cx="685800" cy="1143000"/>
+          </a:xfrm>
+          <a:prstGeom prst="rect">
+            <a:avLst/>
+          </a:prstGeom>
+          <a:solidFill>
+            <a:schemeClr val="accent1"/>
+          </a:solidFill>
+          <a:ln>
+            <a:noFill/>
+          </a:ln>
+        </p:spPr>
+        <p:style>
+          <a:lnRef idx="1">
+            <a:schemeClr val="accent1"/>
+          </a:lnRef>
+          <a:fillRef idx="3">
+            <a:schemeClr val="accent1"/>
+          </a:fillRef>
+          <a:effectRef idx="2">
+            <a:schemeClr val="accent1"/>
+          </a:effectRef>
+          <a:fontRef idx="minor">
+            <a:schemeClr val="lt1"/>
+          </a:fontRef>
+        </p:style>
+      </p:sp>
+    </p:spTree>
+    <p:extLst>
+      <p:ext uri="{BB962C8B-B14F-4D97-AF65-F5344CB8AC3E}">
+        <p14:creationId xmlns:p14="http://schemas.microsoft.com/office/powerpoint/2010/main" val="1378332291"/>
+      </p:ext>
+    </p:extLst>
+  </p:cSld>
+  <p:clrMapOvr>
+    <a:masterClrMapping/>
+  </p:clrMapOvr>
+</p:sld>
+</file>
+
+<file path=ppt/slides/slide13.xml><?xml version="1.0" encoding="utf-8"?>
+<p:sld xmlns:a="http://schemas.openxmlformats.org/drawingml/2006/main" xmlns:r="http://schemas.openxmlformats.org/officeDocument/2006/relationships" xmlns:p="http://schemas.openxmlformats.org/presentationml/2006/main">
+  <p:cSld>
+    <p:spTree>
+      <p:nvGrpSpPr>
+        <p:cNvPr id="1" name=""/>
+        <p:cNvGrpSpPr/>
+        <p:nvPr/>
+      </p:nvGrpSpPr>
+      <p:grpSpPr>
+        <a:xfrm>
+          <a:off x="0" y="0"/>
+          <a:ext cx="0" cy="0"/>
+          <a:chOff x="0" y="0"/>
+          <a:chExt cx="0" cy="0"/>
+        </a:xfrm>
+      </p:grpSpPr>
       <p:sp>
         <p:nvSpPr>
           <p:cNvPr id="2" name="Title 1">
@@ -6287,7 +7454,7 @@
 </p:sld>
 </file>
 
-<file path=ppt/slides/slide11.xml><?xml version="1.0" encoding="utf-8"?>
+<file path=ppt/slides/slide14.xml><?xml version="1.0" encoding="utf-8"?>
 <p:sld xmlns:a="http://schemas.openxmlformats.org/drawingml/2006/main" xmlns:r="http://schemas.openxmlformats.org/officeDocument/2006/relationships" xmlns:p="http://schemas.openxmlformats.org/presentationml/2006/main">
   <p:cSld>
     <p:spTree>
@@ -6716,6 +7883,12 @@
               <a:t>Data: includes the data input and output files used by the project.</a:t>
             </a:r>
           </a:p>
+          <a:p>
+            <a:r>
+              <a:rPr lang="en-US" dirty="0"/>
+              <a:t>The next slide has a picture of the directory tree structure.</a:t>
+            </a:r>
+          </a:p>
         </p:txBody>
       </p:sp>
     </p:spTree>
@@ -6734,6 +7907,30 @@
 <file path=ppt/slides/slide5.xml><?xml version="1.0" encoding="utf-8"?>
 <p:sld xmlns:a="http://schemas.openxmlformats.org/drawingml/2006/main" xmlns:r="http://schemas.openxmlformats.org/officeDocument/2006/relationships" xmlns:p="http://schemas.openxmlformats.org/presentationml/2006/main">
   <p:cSld>
+    <p:bg>
+      <p:bgPr>
+        <a:blipFill rotWithShape="1">
+          <a:blip r:embed="rId2">
+            <a:duotone>
+              <a:schemeClr val="bg2">
+                <a:shade val="69000"/>
+                <a:hueMod val="108000"/>
+                <a:satMod val="164000"/>
+                <a:lumMod val="74000"/>
+              </a:schemeClr>
+              <a:schemeClr val="bg2">
+                <a:tint val="96000"/>
+                <a:hueMod val="88000"/>
+                <a:satMod val="140000"/>
+                <a:lumMod val="132000"/>
+              </a:schemeClr>
+            </a:duotone>
+          </a:blip>
+          <a:stretch/>
+        </a:blipFill>
+        <a:effectLst/>
+      </p:bgPr>
+    </p:bg>
     <p:spTree>
       <p:nvGrpSpPr>
         <p:cNvPr id="1" name=""/>
@@ -6748,98 +7945,467 @@
           <a:chExt cx="0" cy="0"/>
         </a:xfrm>
       </p:grpSpPr>
-      <p:sp>
-        <p:nvSpPr>
-          <p:cNvPr id="2" name="Title 1">
+      <p:pic>
+        <p:nvPicPr>
+          <p:cNvPr id="10" name="Picture 9">
             <a:extLst>
               <a:ext uri="{FF2B5EF4-FFF2-40B4-BE49-F238E27FC236}">
-                <a16:creationId xmlns:a16="http://schemas.microsoft.com/office/drawing/2014/main" id="{8287C61F-95E4-47FE-BA03-6BD17D122C95}"/>
+                <a16:creationId xmlns:a16="http://schemas.microsoft.com/office/drawing/2014/main" id="{C9ECDD5C-152A-4CC7-8333-0F367B3A62EA}"/>
+              </a:ext>
+              <a:ext uri="{C183D7F6-B498-43B3-948B-1728B52AA6E4}">
+                <adec:decorative xmlns:adec="http://schemas.microsoft.com/office/drawing/2017/decorative" val="1"/>
               </a:ext>
             </a:extLst>
           </p:cNvPr>
-          <p:cNvSpPr>
-            <a:spLocks noGrp="1"/>
-          </p:cNvSpPr>
-          <p:nvPr>
-            <p:ph type="title"/>
-          </p:nvPr>
-        </p:nvSpPr>
-        <p:spPr/>
-        <p:txBody>
-          <a:bodyPr/>
-          <a:lstStyle/>
-          <a:p>
-            <a:r>
-              <a:rPr lang="en-US" dirty="0"/>
-              <a:t>Challenges</a:t>
-            </a:r>
-          </a:p>
-        </p:txBody>
-      </p:sp>
-      <p:sp>
-        <p:nvSpPr>
-          <p:cNvPr id="3" name="Content Placeholder 2">
+          <p:cNvPicPr>
+            <a:picLocks noGrp="1" noRot="1" noChangeAspect="1" noMove="1" noResize="1" noEditPoints="1" noAdjustHandles="1" noChangeArrowheads="1" noChangeShapeType="1" noCrop="1"/>
+          </p:cNvPicPr>
+          <p:nvPr>
+            <p:extLst>
+              <p:ext uri="{386F3935-93C4-4BCD-93E2-E3B085C9AB24}">
+                <p16:designElem xmlns:p16="http://schemas.microsoft.com/office/powerpoint/2015/main" val="1"/>
+              </p:ext>
+            </p:extLst>
+          </p:nvPr>
+        </p:nvPicPr>
+        <p:blipFill rotWithShape="1">
+          <a:blip r:embed="rId3">
+            <a:extLst>
+              <a:ext uri="{28A0092B-C50C-407E-A947-70E740481C1C}">
+                <a14:useLocalDpi xmlns:a14="http://schemas.microsoft.com/office/drawing/2010/main" val="0"/>
+              </a:ext>
+            </a:extLst>
+          </a:blip>
+          <a:srcRect l="3613"/>
+          <a:stretch/>
+        </p:blipFill>
+        <p:spPr>
+          <a:xfrm>
+            <a:off x="0" y="2669685"/>
+            <a:ext cx="4037012" cy="4188315"/>
+          </a:xfrm>
+          <a:prstGeom prst="rect">
+            <a:avLst/>
+          </a:prstGeom>
+        </p:spPr>
+      </p:pic>
+      <p:pic>
+        <p:nvPicPr>
+          <p:cNvPr id="12" name="Picture 11">
             <a:extLst>
               <a:ext uri="{FF2B5EF4-FFF2-40B4-BE49-F238E27FC236}">
-                <a16:creationId xmlns:a16="http://schemas.microsoft.com/office/drawing/2014/main" id="{35BF7732-E2BD-4B23-AFC0-DF33E065B1B7}"/>
+                <a16:creationId xmlns:a16="http://schemas.microsoft.com/office/drawing/2014/main" id="{7F5C92A3-369B-43F3-BDCE-E560B1B0EC89}"/>
+              </a:ext>
+              <a:ext uri="{C183D7F6-B498-43B3-948B-1728B52AA6E4}">
+                <adec:decorative xmlns:adec="http://schemas.microsoft.com/office/drawing/2017/decorative" val="1"/>
               </a:ext>
             </a:extLst>
           </p:cNvPr>
-          <p:cNvSpPr>
-            <a:spLocks noGrp="1"/>
-          </p:cNvSpPr>
+          <p:cNvPicPr>
+            <a:picLocks noGrp="1" noRot="1" noChangeAspect="1" noMove="1" noResize="1" noEditPoints="1" noAdjustHandles="1" noChangeArrowheads="1" noChangeShapeType="1" noCrop="1"/>
+          </p:cNvPicPr>
+          <p:nvPr>
+            <p:extLst>
+              <p:ext uri="{386F3935-93C4-4BCD-93E2-E3B085C9AB24}">
+                <p16:designElem xmlns:p16="http://schemas.microsoft.com/office/powerpoint/2015/main" val="1"/>
+              </p:ext>
+            </p:extLst>
+          </p:nvPr>
+        </p:nvPicPr>
+        <p:blipFill rotWithShape="1">
+          <a:blip r:embed="rId4">
+            <a:extLst>
+              <a:ext uri="{28A0092B-C50C-407E-A947-70E740481C1C}">
+                <a14:useLocalDpi xmlns:a14="http://schemas.microsoft.com/office/drawing/2010/main" val="0"/>
+              </a:ext>
+            </a:extLst>
+          </a:blip>
+          <a:srcRect l="35640"/>
+          <a:stretch/>
+        </p:blipFill>
+        <p:spPr>
+          <a:xfrm>
+            <a:off x="0" y="2892347"/>
+            <a:ext cx="1522412" cy="2365453"/>
+          </a:xfrm>
+          <a:prstGeom prst="rect">
+            <a:avLst/>
+          </a:prstGeom>
+        </p:spPr>
+      </p:pic>
+      <p:sp>
+        <p:nvSpPr>
+          <p:cNvPr id="14" name="Oval 13">
+            <a:extLst>
+              <a:ext uri="{FF2B5EF4-FFF2-40B4-BE49-F238E27FC236}">
+                <a16:creationId xmlns:a16="http://schemas.microsoft.com/office/drawing/2014/main" id="{AEBE9F1A-B38D-446E-83AE-14B17CE77FF2}"/>
+              </a:ext>
+              <a:ext uri="{C183D7F6-B498-43B3-948B-1728B52AA6E4}">
+                <adec:decorative xmlns:adec="http://schemas.microsoft.com/office/drawing/2017/decorative" val="1"/>
+              </a:ext>
+            </a:extLst>
+          </p:cNvPr>
+          <p:cNvSpPr>
+            <a:spLocks noGrp="1" noRot="1" noChangeAspect="1" noMove="1" noResize="1" noEditPoints="1" noAdjustHandles="1" noChangeArrowheads="1" noChangeShapeType="1" noTextEdit="1"/>
+          </p:cNvSpPr>
+          <p:nvPr>
+            <p:extLst>
+              <p:ext uri="{386F3935-93C4-4BCD-93E2-E3B085C9AB24}">
+                <p16:designElem xmlns:p16="http://schemas.microsoft.com/office/powerpoint/2015/main" val="1"/>
+              </p:ext>
+            </p:extLst>
+          </p:nvPr>
+        </p:nvSpPr>
+        <p:spPr>
+          <a:xfrm>
+            <a:off x="8609012" y="1676400"/>
+            <a:ext cx="2819400" cy="2819400"/>
+          </a:xfrm>
+          <a:prstGeom prst="ellipse">
+            <a:avLst/>
+          </a:prstGeom>
+          <a:gradFill flip="none" rotWithShape="1">
+            <a:gsLst>
+              <a:gs pos="0">
+                <a:schemeClr val="bg2">
+                  <a:lumMod val="60000"/>
+                  <a:lumOff val="40000"/>
+                  <a:alpha val="7000"/>
+                </a:schemeClr>
+              </a:gs>
+              <a:gs pos="69000">
+                <a:schemeClr val="bg2">
+                  <a:lumMod val="60000"/>
+                  <a:lumOff val="40000"/>
+                  <a:alpha val="0"/>
+                </a:schemeClr>
+              </a:gs>
+              <a:gs pos="36000">
+                <a:schemeClr val="bg2">
+                  <a:lumMod val="60000"/>
+                  <a:lumOff val="40000"/>
+                  <a:alpha val="6000"/>
+                </a:schemeClr>
+              </a:gs>
+            </a:gsLst>
+            <a:path path="circle">
+              <a:fillToRect l="50000" t="50000" r="50000" b="50000"/>
+            </a:path>
+            <a:tileRect/>
+          </a:gradFill>
+          <a:ln>
+            <a:noFill/>
+          </a:ln>
+          <a:effectLst/>
+        </p:spPr>
+        <p:style>
+          <a:lnRef idx="1">
+            <a:schemeClr val="accent1"/>
+          </a:lnRef>
+          <a:fillRef idx="3">
+            <a:schemeClr val="accent1"/>
+          </a:fillRef>
+          <a:effectRef idx="2">
+            <a:schemeClr val="accent1"/>
+          </a:effectRef>
+          <a:fontRef idx="minor">
+            <a:schemeClr val="lt1"/>
+          </a:fontRef>
+        </p:style>
+      </p:sp>
+      <p:pic>
+        <p:nvPicPr>
+          <p:cNvPr id="16" name="Picture 15">
+            <a:extLst>
+              <a:ext uri="{FF2B5EF4-FFF2-40B4-BE49-F238E27FC236}">
+                <a16:creationId xmlns:a16="http://schemas.microsoft.com/office/drawing/2014/main" id="{915B5014-A7EC-4BA6-9C83-8840CF81DB28}"/>
+              </a:ext>
+              <a:ext uri="{C183D7F6-B498-43B3-948B-1728B52AA6E4}">
+                <adec:decorative xmlns:adec="http://schemas.microsoft.com/office/drawing/2017/decorative" val="1"/>
+              </a:ext>
+            </a:extLst>
+          </p:cNvPr>
+          <p:cNvPicPr>
+            <a:picLocks noGrp="1" noRot="1" noChangeAspect="1" noMove="1" noResize="1" noEditPoints="1" noAdjustHandles="1" noChangeArrowheads="1" noChangeShapeType="1" noCrop="1"/>
+          </p:cNvPicPr>
+          <p:nvPr>
+            <p:extLst>
+              <p:ext uri="{386F3935-93C4-4BCD-93E2-E3B085C9AB24}">
+                <p16:designElem xmlns:p16="http://schemas.microsoft.com/office/powerpoint/2015/main" val="1"/>
+              </p:ext>
+            </p:extLst>
+          </p:nvPr>
+        </p:nvPicPr>
+        <p:blipFill rotWithShape="1">
+          <a:blip r:embed="rId5">
+            <a:extLst>
+              <a:ext uri="{28A0092B-C50C-407E-A947-70E740481C1C}">
+                <a14:useLocalDpi xmlns:a14="http://schemas.microsoft.com/office/drawing/2010/main" val="0"/>
+              </a:ext>
+            </a:extLst>
+          </a:blip>
+          <a:srcRect t="28813"/>
+          <a:stretch/>
+        </p:blipFill>
+        <p:spPr>
+          <a:xfrm>
+            <a:off x="7999412" y="0"/>
+            <a:ext cx="1603387" cy="1141407"/>
+          </a:xfrm>
+          <a:prstGeom prst="rect">
+            <a:avLst/>
+          </a:prstGeom>
+        </p:spPr>
+      </p:pic>
+      <p:pic>
+        <p:nvPicPr>
+          <p:cNvPr id="18" name="Picture 17">
+            <a:extLst>
+              <a:ext uri="{FF2B5EF4-FFF2-40B4-BE49-F238E27FC236}">
+                <a16:creationId xmlns:a16="http://schemas.microsoft.com/office/drawing/2014/main" id="{022C43AB-86D7-420D-8AD7-DC0A15FDD0AF}"/>
+              </a:ext>
+              <a:ext uri="{C183D7F6-B498-43B3-948B-1728B52AA6E4}">
+                <adec:decorative xmlns:adec="http://schemas.microsoft.com/office/drawing/2017/decorative" val="1"/>
+              </a:ext>
+            </a:extLst>
+          </p:cNvPr>
+          <p:cNvPicPr>
+            <a:picLocks noGrp="1" noRot="1" noChangeAspect="1" noMove="1" noResize="1" noEditPoints="1" noAdjustHandles="1" noChangeArrowheads="1" noChangeShapeType="1" noCrop="1"/>
+          </p:cNvPicPr>
+          <p:nvPr>
+            <p:extLst>
+              <p:ext uri="{386F3935-93C4-4BCD-93E2-E3B085C9AB24}">
+                <p16:designElem xmlns:p16="http://schemas.microsoft.com/office/powerpoint/2015/main" val="1"/>
+              </p:ext>
+            </p:extLst>
+          </p:nvPr>
+        </p:nvPicPr>
+        <p:blipFill rotWithShape="1">
+          <a:blip r:embed="rId6">
+            <a:extLst>
+              <a:ext uri="{28A0092B-C50C-407E-A947-70E740481C1C}">
+                <a14:useLocalDpi xmlns:a14="http://schemas.microsoft.com/office/drawing/2010/main" val="0"/>
+              </a:ext>
+            </a:extLst>
+          </a:blip>
+          <a:srcRect b="23320"/>
+          <a:stretch/>
+        </p:blipFill>
+        <p:spPr>
+          <a:xfrm>
+            <a:off x="8605878" y="6096000"/>
+            <a:ext cx="993734" cy="762000"/>
+          </a:xfrm>
+          <a:prstGeom prst="rect">
+            <a:avLst/>
+          </a:prstGeom>
+        </p:spPr>
+      </p:pic>
+      <p:sp>
+        <p:nvSpPr>
+          <p:cNvPr id="20" name="Rectangle 19">
+            <a:extLst>
+              <a:ext uri="{FF2B5EF4-FFF2-40B4-BE49-F238E27FC236}">
+                <a16:creationId xmlns:a16="http://schemas.microsoft.com/office/drawing/2014/main" id="{5E3EB826-A471-488F-9E8A-D65528A3C0CA}"/>
+              </a:ext>
+              <a:ext uri="{C183D7F6-B498-43B3-948B-1728B52AA6E4}">
+                <adec:decorative xmlns:adec="http://schemas.microsoft.com/office/drawing/2017/decorative" val="1"/>
+              </a:ext>
+            </a:extLst>
+          </p:cNvPr>
+          <p:cNvSpPr>
+            <a:spLocks noGrp="1" noRot="1" noChangeAspect="1" noMove="1" noResize="1" noEditPoints="1" noAdjustHandles="1" noChangeArrowheads="1" noChangeShapeType="1" noTextEdit="1"/>
+          </p:cNvSpPr>
+          <p:nvPr>
+            <p:extLst>
+              <p:ext uri="{386F3935-93C4-4BCD-93E2-E3B085C9AB24}">
+                <p16:designElem xmlns:p16="http://schemas.microsoft.com/office/powerpoint/2015/main" val="1"/>
+              </p:ext>
+            </p:extLst>
+          </p:nvPr>
+        </p:nvSpPr>
+        <p:spPr>
+          <a:xfrm>
+            <a:off x="10437812" y="0"/>
+            <a:ext cx="685800" cy="1143000"/>
+          </a:xfrm>
+          <a:prstGeom prst="rect">
+            <a:avLst/>
+          </a:prstGeom>
+          <a:solidFill>
+            <a:schemeClr val="accent1"/>
+          </a:solidFill>
+          <a:ln>
+            <a:noFill/>
+          </a:ln>
+        </p:spPr>
+        <p:style>
+          <a:lnRef idx="1">
+            <a:schemeClr val="accent1"/>
+          </a:lnRef>
+          <a:fillRef idx="3">
+            <a:schemeClr val="accent1"/>
+          </a:fillRef>
+          <a:effectRef idx="2">
+            <a:schemeClr val="accent1"/>
+          </a:effectRef>
+          <a:fontRef idx="minor">
+            <a:schemeClr val="lt1"/>
+          </a:fontRef>
+        </p:style>
+      </p:sp>
+      <p:sp>
+        <p:nvSpPr>
+          <p:cNvPr id="22" name="Rectangle 21">
+            <a:extLst>
+              <a:ext uri="{FF2B5EF4-FFF2-40B4-BE49-F238E27FC236}">
+                <a16:creationId xmlns:a16="http://schemas.microsoft.com/office/drawing/2014/main" id="{DFB3CEA1-88D9-42FB-88ED-1E9807FE6596}"/>
+              </a:ext>
+              <a:ext uri="{C183D7F6-B498-43B3-948B-1728B52AA6E4}">
+                <adec:decorative xmlns:adec="http://schemas.microsoft.com/office/drawing/2017/decorative" val="1"/>
+              </a:ext>
+            </a:extLst>
+          </p:cNvPr>
+          <p:cNvSpPr>
+            <a:spLocks noGrp="1" noRot="1" noChangeAspect="1" noMove="1" noResize="1" noEditPoints="1" noAdjustHandles="1" noChangeArrowheads="1" noChangeShapeType="1" noTextEdit="1"/>
+          </p:cNvSpPr>
+          <p:nvPr>
+            <p:extLst>
+              <p:ext uri="{386F3935-93C4-4BCD-93E2-E3B085C9AB24}">
+                <p16:designElem xmlns:p16="http://schemas.microsoft.com/office/powerpoint/2015/main" val="1"/>
+              </p:ext>
+            </p:extLst>
+          </p:nvPr>
+        </p:nvSpPr>
+        <p:spPr>
+          <a:xfrm>
+            <a:off x="477012" y="480060"/>
+            <a:ext cx="11237976" cy="5897880"/>
+          </a:xfrm>
+          <a:prstGeom prst="rect">
+            <a:avLst/>
+          </a:prstGeom>
+          <a:solidFill>
+            <a:srgbClr val="FFFFFF"/>
+          </a:solidFill>
+          <a:ln>
+            <a:noFill/>
+          </a:ln>
+        </p:spPr>
+        <p:style>
+          <a:lnRef idx="2">
+            <a:schemeClr val="accent1">
+              <a:shade val="50000"/>
+            </a:schemeClr>
+          </a:lnRef>
+          <a:fillRef idx="1">
+            <a:schemeClr val="accent1"/>
+          </a:fillRef>
+          <a:effectRef idx="0">
+            <a:schemeClr val="accent1"/>
+          </a:effectRef>
+          <a:fontRef idx="minor">
+            <a:schemeClr val="lt1"/>
+          </a:fontRef>
+        </p:style>
+        <p:txBody>
+          <a:bodyPr rtlCol="0" anchor="ctr"/>
+          <a:lstStyle/>
+          <a:p>
+            <a:pPr algn="ctr"/>
+            <a:endParaRPr lang="en-US" dirty="0"/>
+          </a:p>
+        </p:txBody>
+      </p:sp>
+      <p:pic>
+        <p:nvPicPr>
+          <p:cNvPr id="5" name="Content Placeholder 4">
+            <a:extLst>
+              <a:ext uri="{FF2B5EF4-FFF2-40B4-BE49-F238E27FC236}">
+                <a16:creationId xmlns:a16="http://schemas.microsoft.com/office/drawing/2014/main" id="{22EC19DE-43A6-4CBE-B2C8-FDF786706D4D}"/>
+              </a:ext>
+            </a:extLst>
+          </p:cNvPr>
+          <p:cNvPicPr>
+            <a:picLocks noGrp="1" noChangeAspect="1"/>
+          </p:cNvPicPr>
           <p:nvPr>
             <p:ph idx="1"/>
           </p:nvPr>
-        </p:nvSpPr>
-        <p:spPr/>
-        <p:txBody>
-          <a:bodyPr/>
-          <a:lstStyle/>
-          <a:p>
-            <a:r>
-              <a:rPr lang="en-US" dirty="0"/>
-              <a:t>The </a:t>
-            </a:r>
-            <a:r>
-              <a:rPr lang="en-US" b="1" dirty="0" err="1"/>
-              <a:t>MeTA</a:t>
-            </a:r>
-            <a:r>
-              <a:rPr lang="en-US" b="1" dirty="0"/>
-              <a:t> project </a:t>
-            </a:r>
-            <a:r>
-              <a:rPr lang="en-US" dirty="0"/>
-              <a:t>had too much technical debt for me to build it locally on my machine without many errors.</a:t>
-            </a:r>
-          </a:p>
-          <a:p>
-            <a:r>
-              <a:rPr lang="en-US" dirty="0"/>
-              <a:t>The </a:t>
-            </a:r>
-            <a:r>
-              <a:rPr lang="en-US" b="1" dirty="0"/>
-              <a:t>original LARA Java Code </a:t>
-            </a:r>
-            <a:r>
-              <a:rPr lang="en-US" dirty="0"/>
-              <a:t>project files were not recognizable by my IntelliJ IDE, so I was not able to use it as a debugging tool for my C++ implementation.</a:t>
-            </a:r>
-          </a:p>
-          <a:p>
-            <a:r>
-              <a:rPr lang="en-US" dirty="0"/>
-              <a:t>The Java code referenced some jar file Java specific libraries that I was not able to replace properly. One was a linear algebra library that I replaced by implementing the functionality.</a:t>
-            </a:r>
-          </a:p>
-        </p:txBody>
+        </p:nvPicPr>
+        <p:blipFill>
+          <a:blip r:embed="rId7"/>
+          <a:stretch>
+            <a:fillRect/>
+          </a:stretch>
+        </p:blipFill>
+        <p:spPr>
+          <a:xfrm>
+            <a:off x="4132199" y="643467"/>
+            <a:ext cx="3927601" cy="5571066"/>
+          </a:xfrm>
+          <a:prstGeom prst="rect">
+            <a:avLst/>
+          </a:prstGeom>
+        </p:spPr>
+      </p:pic>
+      <p:sp>
+        <p:nvSpPr>
+          <p:cNvPr id="24" name="Rectangle 23">
+            <a:extLst>
+              <a:ext uri="{FF2B5EF4-FFF2-40B4-BE49-F238E27FC236}">
+                <a16:creationId xmlns:a16="http://schemas.microsoft.com/office/drawing/2014/main" id="{9A6C928E-4252-4F33-8C34-E50A12A3170B}"/>
+              </a:ext>
+              <a:ext uri="{C183D7F6-B498-43B3-948B-1728B52AA6E4}">
+                <adec:decorative xmlns:adec="http://schemas.microsoft.com/office/drawing/2017/decorative" val="1"/>
+              </a:ext>
+            </a:extLst>
+          </p:cNvPr>
+          <p:cNvSpPr>
+            <a:spLocks noGrp="1" noRot="1" noChangeAspect="1" noMove="1" noResize="1" noEditPoints="1" noAdjustHandles="1" noChangeArrowheads="1" noChangeShapeType="1" noTextEdit="1"/>
+          </p:cNvSpPr>
+          <p:nvPr>
+            <p:extLst>
+              <p:ext uri="{386F3935-93C4-4BCD-93E2-E3B085C9AB24}">
+                <p16:designElem xmlns:p16="http://schemas.microsoft.com/office/powerpoint/2015/main" val="1"/>
+              </p:ext>
+            </p:extLst>
+          </p:nvPr>
+        </p:nvSpPr>
+        <p:spPr>
+          <a:xfrm>
+            <a:off x="10437812" y="0"/>
+            <a:ext cx="685800" cy="1143000"/>
+          </a:xfrm>
+          <a:prstGeom prst="rect">
+            <a:avLst/>
+          </a:prstGeom>
+          <a:solidFill>
+            <a:schemeClr val="accent1"/>
+          </a:solidFill>
+          <a:ln>
+            <a:noFill/>
+          </a:ln>
+        </p:spPr>
+        <p:style>
+          <a:lnRef idx="1">
+            <a:schemeClr val="accent1"/>
+          </a:lnRef>
+          <a:fillRef idx="3">
+            <a:schemeClr val="accent1"/>
+          </a:fillRef>
+          <a:effectRef idx="2">
+            <a:schemeClr val="accent1"/>
+          </a:effectRef>
+          <a:fontRef idx="minor">
+            <a:schemeClr val="lt1"/>
+          </a:fontRef>
+        </p:style>
       </p:sp>
     </p:spTree>
     <p:extLst>
       <p:ext uri="{BB962C8B-B14F-4D97-AF65-F5344CB8AC3E}">
-        <p14:creationId xmlns:p14="http://schemas.microsoft.com/office/powerpoint/2010/main" val="252370753"/>
+        <p14:creationId xmlns:p14="http://schemas.microsoft.com/office/powerpoint/2010/main" val="3228660174"/>
       </p:ext>
     </p:extLst>
   </p:cSld>
@@ -6871,6 +8437,124 @@
           <p:cNvPr id="2" name="Title 1">
             <a:extLst>
               <a:ext uri="{FF2B5EF4-FFF2-40B4-BE49-F238E27FC236}">
+                <a16:creationId xmlns:a16="http://schemas.microsoft.com/office/drawing/2014/main" id="{8287C61F-95E4-47FE-BA03-6BD17D122C95}"/>
+              </a:ext>
+            </a:extLst>
+          </p:cNvPr>
+          <p:cNvSpPr>
+            <a:spLocks noGrp="1"/>
+          </p:cNvSpPr>
+          <p:nvPr>
+            <p:ph type="title"/>
+          </p:nvPr>
+        </p:nvSpPr>
+        <p:spPr/>
+        <p:txBody>
+          <a:bodyPr/>
+          <a:lstStyle/>
+          <a:p>
+            <a:r>
+              <a:rPr lang="en-US" dirty="0"/>
+              <a:t>Challenges</a:t>
+            </a:r>
+          </a:p>
+        </p:txBody>
+      </p:sp>
+      <p:sp>
+        <p:nvSpPr>
+          <p:cNvPr id="3" name="Content Placeholder 2">
+            <a:extLst>
+              <a:ext uri="{FF2B5EF4-FFF2-40B4-BE49-F238E27FC236}">
+                <a16:creationId xmlns:a16="http://schemas.microsoft.com/office/drawing/2014/main" id="{35BF7732-E2BD-4B23-AFC0-DF33E065B1B7}"/>
+              </a:ext>
+            </a:extLst>
+          </p:cNvPr>
+          <p:cNvSpPr>
+            <a:spLocks noGrp="1"/>
+          </p:cNvSpPr>
+          <p:nvPr>
+            <p:ph idx="1"/>
+          </p:nvPr>
+        </p:nvSpPr>
+        <p:spPr/>
+        <p:txBody>
+          <a:bodyPr/>
+          <a:lstStyle/>
+          <a:p>
+            <a:r>
+              <a:rPr lang="en-US" dirty="0"/>
+              <a:t>The </a:t>
+            </a:r>
+            <a:r>
+              <a:rPr lang="en-US" b="1" dirty="0" err="1"/>
+              <a:t>MeTA</a:t>
+            </a:r>
+            <a:r>
+              <a:rPr lang="en-US" b="1" dirty="0"/>
+              <a:t> project </a:t>
+            </a:r>
+            <a:r>
+              <a:rPr lang="en-US" dirty="0"/>
+              <a:t>had too much technical debt for me to build it locally on my machine without many errors.</a:t>
+            </a:r>
+          </a:p>
+          <a:p>
+            <a:r>
+              <a:rPr lang="en-US" dirty="0"/>
+              <a:t>The </a:t>
+            </a:r>
+            <a:r>
+              <a:rPr lang="en-US" b="1" dirty="0"/>
+              <a:t>original LARA Java Code </a:t>
+            </a:r>
+            <a:r>
+              <a:rPr lang="en-US" dirty="0"/>
+              <a:t>project files were not recognizable by my IntelliJ IDE, so I was not able to use it as a debugging tool for my C++ implementation.</a:t>
+            </a:r>
+          </a:p>
+          <a:p>
+            <a:r>
+              <a:rPr lang="en-US" dirty="0"/>
+              <a:t>The Java code referenced some jar file Java specific libraries that I was not able to replace properly. One was a linear algebra library that I replaced by implementing the functionality.</a:t>
+            </a:r>
+          </a:p>
+        </p:txBody>
+      </p:sp>
+    </p:spTree>
+    <p:extLst>
+      <p:ext uri="{BB962C8B-B14F-4D97-AF65-F5344CB8AC3E}">
+        <p14:creationId xmlns:p14="http://schemas.microsoft.com/office/powerpoint/2010/main" val="252370753"/>
+      </p:ext>
+    </p:extLst>
+  </p:cSld>
+  <p:clrMapOvr>
+    <a:masterClrMapping/>
+  </p:clrMapOvr>
+</p:sld>
+</file>
+
+<file path=ppt/slides/slide7.xml><?xml version="1.0" encoding="utf-8"?>
+<p:sld xmlns:a="http://schemas.openxmlformats.org/drawingml/2006/main" xmlns:r="http://schemas.openxmlformats.org/officeDocument/2006/relationships" xmlns:p="http://schemas.openxmlformats.org/presentationml/2006/main">
+  <p:cSld>
+    <p:spTree>
+      <p:nvGrpSpPr>
+        <p:cNvPr id="1" name=""/>
+        <p:cNvGrpSpPr/>
+        <p:nvPr/>
+      </p:nvGrpSpPr>
+      <p:grpSpPr>
+        <a:xfrm>
+          <a:off x="0" y="0"/>
+          <a:ext cx="0" cy="0"/>
+          <a:chOff x="0" y="0"/>
+          <a:chExt cx="0" cy="0"/>
+        </a:xfrm>
+      </p:grpSpPr>
+      <p:sp>
+        <p:nvSpPr>
+          <p:cNvPr id="2" name="Title 1">
+            <a:extLst>
+              <a:ext uri="{FF2B5EF4-FFF2-40B4-BE49-F238E27FC236}">
                 <a16:creationId xmlns:a16="http://schemas.microsoft.com/office/drawing/2014/main" id="{ECBF5721-68ED-4E7E-BF7E-4E2916B88D40}"/>
               </a:ext>
             </a:extLst>
@@ -6917,16 +8601,24 @@
           <a:p>
             <a:r>
               <a:rPr lang="en-US" dirty="0"/>
-              <a:t>I am able to build and run the program, but the results are not recognizable by the “topics.py” script in the data file, which is used to print out the top M topics.</a:t>
+              <a:t>I can build and run the program, but the results are not recognizable by the “topics.py” script in the data file, which is used to print out the top M topics.</a:t>
             </a:r>
           </a:p>
           <a:p>
             <a:r>
               <a:rPr lang="en-US" dirty="0"/>
-              <a:t>With some investigation it is due to the f value and </a:t>
-            </a:r>
-            <a:r>
-              <a:rPr lang="en-US" dirty="0" err="1"/>
+              <a:t>With some investigation it is due to the </a:t>
+            </a:r>
+            <a:r>
+              <a:rPr lang="en-US" b="1" dirty="0"/>
+              <a:t>f</a:t>
+            </a:r>
+            <a:r>
+              <a:rPr lang="en-US" dirty="0"/>
+              <a:t> value and </a:t>
+            </a:r>
+            <a:r>
+              <a:rPr lang="en-US" b="1" dirty="0" err="1"/>
               <a:t>gnorm</a:t>
             </a:r>
             <a:r>
@@ -6963,7 +8655,7 @@
 </p:sld>
 </file>
 
-<file path=ppt/slides/slide7.xml><?xml version="1.0" encoding="utf-8"?>
+<file path=ppt/slides/slide8.xml><?xml version="1.0" encoding="utf-8"?>
 <p:sld xmlns:a="http://schemas.openxmlformats.org/drawingml/2006/main" xmlns:r="http://schemas.openxmlformats.org/officeDocument/2006/relationships" xmlns:p="http://schemas.openxmlformats.org/presentationml/2006/main">
   <p:cSld>
     <p:bg>
@@ -7032,120 +8724,6 @@
 </p:sld>
 </file>
 
-<file path=ppt/slides/slide8.xml><?xml version="1.0" encoding="utf-8"?>
-<p:sld xmlns:a="http://schemas.openxmlformats.org/drawingml/2006/main" xmlns:r="http://schemas.openxmlformats.org/officeDocument/2006/relationships" xmlns:p="http://schemas.openxmlformats.org/presentationml/2006/main">
-  <p:cSld>
-    <p:spTree>
-      <p:nvGrpSpPr>
-        <p:cNvPr id="1" name=""/>
-        <p:cNvGrpSpPr/>
-        <p:nvPr/>
-      </p:nvGrpSpPr>
-      <p:grpSpPr>
-        <a:xfrm>
-          <a:off x="0" y="0"/>
-          <a:ext cx="0" cy="0"/>
-          <a:chOff x="0" y="0"/>
-          <a:chExt cx="0" cy="0"/>
-        </a:xfrm>
-      </p:grpSpPr>
-      <p:sp>
-        <p:nvSpPr>
-          <p:cNvPr id="2" name="Title 1">
-            <a:extLst>
-              <a:ext uri="{FF2B5EF4-FFF2-40B4-BE49-F238E27FC236}">
-                <a16:creationId xmlns:a16="http://schemas.microsoft.com/office/drawing/2014/main" id="{DDDB3D00-55C3-43DE-8C31-23E112AA161A}"/>
-              </a:ext>
-            </a:extLst>
-          </p:cNvPr>
-          <p:cNvSpPr>
-            <a:spLocks noGrp="1"/>
-          </p:cNvSpPr>
-          <p:nvPr>
-            <p:ph type="title"/>
-          </p:nvPr>
-        </p:nvSpPr>
-        <p:spPr/>
-        <p:txBody>
-          <a:bodyPr/>
-          <a:lstStyle/>
-          <a:p>
-            <a:r>
-              <a:rPr lang="en-US" dirty="0"/>
-              <a:t>Building the Code</a:t>
-            </a:r>
-          </a:p>
-        </p:txBody>
-      </p:sp>
-      <p:sp>
-        <p:nvSpPr>
-          <p:cNvPr id="3" name="Content Placeholder 2">
-            <a:extLst>
-              <a:ext uri="{FF2B5EF4-FFF2-40B4-BE49-F238E27FC236}">
-                <a16:creationId xmlns:a16="http://schemas.microsoft.com/office/drawing/2014/main" id="{F320FDA2-2E3C-4441-8A22-83E4B43BD0F2}"/>
-              </a:ext>
-            </a:extLst>
-          </p:cNvPr>
-          <p:cNvSpPr>
-            <a:spLocks noGrp="1"/>
-          </p:cNvSpPr>
-          <p:nvPr>
-            <p:ph idx="1"/>
-          </p:nvPr>
-        </p:nvSpPr>
-        <p:spPr/>
-        <p:txBody>
-          <a:bodyPr/>
-          <a:lstStyle/>
-          <a:p>
-            <a:r>
-              <a:rPr lang="en-US" dirty="0"/>
-              <a:t>Ensure you have a version of MINGW64 installed with g++.</a:t>
-            </a:r>
-          </a:p>
-          <a:p>
-            <a:r>
-              <a:rPr lang="en-US" dirty="0"/>
-              <a:t>Open a command prompt and go to the </a:t>
-            </a:r>
-            <a:r>
-              <a:rPr lang="en-US" dirty="0" err="1"/>
-              <a:t>CourseProject</a:t>
-            </a:r>
-            <a:r>
-              <a:rPr lang="en-US" dirty="0"/>
-              <a:t>/LARA directory and run the command “make all” (or whatever make-like command your version of MINGW64 uses for running </a:t>
-            </a:r>
-            <a:r>
-              <a:rPr lang="en-US" dirty="0" err="1"/>
-              <a:t>makefiles</a:t>
-            </a:r>
-            <a:r>
-              <a:rPr lang="en-US" dirty="0"/>
-              <a:t>).</a:t>
-            </a:r>
-          </a:p>
-          <a:p>
-            <a:r>
-              <a:rPr lang="en-US" dirty="0"/>
-              <a:t>The program will build into the executable “prog.exe”.</a:t>
-            </a:r>
-          </a:p>
-        </p:txBody>
-      </p:sp>
-    </p:spTree>
-    <p:extLst>
-      <p:ext uri="{BB962C8B-B14F-4D97-AF65-F5344CB8AC3E}">
-        <p14:creationId xmlns:p14="http://schemas.microsoft.com/office/powerpoint/2010/main" val="1271408061"/>
-      </p:ext>
-    </p:extLst>
-  </p:cSld>
-  <p:clrMapOvr>
-    <a:masterClrMapping/>
-  </p:clrMapOvr>
-</p:sld>
-</file>
-
 <file path=ppt/slides/slide9.xml><?xml version="1.0" encoding="utf-8"?>
 <p:sld xmlns:a="http://schemas.openxmlformats.org/drawingml/2006/main" xmlns:r="http://schemas.openxmlformats.org/officeDocument/2006/relationships" xmlns:p="http://schemas.openxmlformats.org/presentationml/2006/main">
   <p:cSld>
@@ -7168,7 +8746,7 @@
           <p:cNvPr id="2" name="Title 1">
             <a:extLst>
               <a:ext uri="{FF2B5EF4-FFF2-40B4-BE49-F238E27FC236}">
-                <a16:creationId xmlns:a16="http://schemas.microsoft.com/office/drawing/2014/main" id="{DAFEAE93-3A44-4F0C-8F55-A957FC059C9B}"/>
+                <a16:creationId xmlns:a16="http://schemas.microsoft.com/office/drawing/2014/main" id="{DDDB3D00-55C3-43DE-8C31-23E112AA161A}"/>
               </a:ext>
             </a:extLst>
           </p:cNvPr>
@@ -7186,7 +8764,7 @@
           <a:p>
             <a:r>
               <a:rPr lang="en-US" dirty="0"/>
-              <a:t>Running the Code</a:t>
+              <a:t>Building the Code</a:t>
             </a:r>
           </a:p>
         </p:txBody>
@@ -7196,7 +8774,7 @@
           <p:cNvPr id="3" name="Content Placeholder 2">
             <a:extLst>
               <a:ext uri="{FF2B5EF4-FFF2-40B4-BE49-F238E27FC236}">
-                <a16:creationId xmlns:a16="http://schemas.microsoft.com/office/drawing/2014/main" id="{8EF5927D-EBF6-4E76-9764-4DD09CE7AFE9}"/>
+                <a16:creationId xmlns:a16="http://schemas.microsoft.com/office/drawing/2014/main" id="{F320FDA2-2E3C-4441-8A22-83E4B43BD0F2}"/>
               </a:ext>
             </a:extLst>
           </p:cNvPr>
@@ -7214,41 +8792,41 @@
           <a:p>
             <a:r>
               <a:rPr lang="en-US" dirty="0"/>
-              <a:t>There is a test function in ./LARA/</a:t>
+              <a:t>Ensure you have a version of MINGW64 installed with g++.</a:t>
+            </a:r>
+          </a:p>
+          <a:p>
+            <a:r>
+              <a:rPr lang="en-US" dirty="0"/>
+              <a:t>Open a command prompt and go to the </a:t>
             </a:r>
             <a:r>
               <a:rPr lang="en-US" dirty="0" err="1"/>
-              <a:t>src</a:t>
+              <a:t>CourseProject</a:t>
             </a:r>
             <a:r>
               <a:rPr lang="en-US" dirty="0"/>
-              <a:t>/main.cpp call </a:t>
+              <a:t>/LARA directory and run the command “make all” (or whatever make-like command your version of MINGW64 uses for running </a:t>
             </a:r>
             <a:r>
               <a:rPr lang="en-US" dirty="0" err="1"/>
-              <a:t>lrr_test</a:t>
+              <a:t>makefiles</a:t>
             </a:r>
             <a:r>
               <a:rPr lang="en-US" dirty="0"/>
-              <a:t>(), where you can modify the parameters for this function. </a:t>
+              <a:t>).</a:t>
             </a:r>
           </a:p>
           <a:p>
             <a:r>
               <a:rPr lang="en-US" dirty="0"/>
-              <a:t>You will find a document in this code called “manual.pdf” which comes from the original java project and contains more detail about the Lara implementation in these projects.</a:t>
+              <a:t>The program will build into the executable “prog.exe”.</a:t>
             </a:r>
           </a:p>
           <a:p>
             <a:r>
               <a:rPr lang="en-US" dirty="0"/>
-              <a:t>Unfortunately running the C++ project does not currently produce any meaningful results.</a:t>
-            </a:r>
-          </a:p>
-          <a:p>
-            <a:r>
-              <a:rPr lang="en-US" dirty="0"/>
-              <a:t>You can see the saved model, and predictions in the ./LARA/Data directory.</a:t>
+              <a:t>See next slide for example picture.</a:t>
             </a:r>
           </a:p>
         </p:txBody>
@@ -7256,7 +8834,7 @@
     </p:spTree>
     <p:extLst>
       <p:ext uri="{BB962C8B-B14F-4D97-AF65-F5344CB8AC3E}">
-        <p14:creationId xmlns:p14="http://schemas.microsoft.com/office/powerpoint/2010/main" val="1656759120"/>
+        <p14:creationId xmlns:p14="http://schemas.microsoft.com/office/powerpoint/2010/main" val="1271408061"/>
       </p:ext>
     </p:extLst>
   </p:cSld>
